--- a/material/Tecnicas/ClasesTutoriales/5.SeparacionArchivos.pptx
+++ b/material/Tecnicas/ClasesTutoriales/5.SeparacionArchivos.pptx
@@ -6410,128 +6410,150 @@
 </file>
 
 <file path=ppt/diagrams/colors8.xml><?xml version="1.0" encoding="utf-8"?>
-<dgm:colorsDef xmlns:dgm="http://schemas.openxmlformats.org/drawingml/2006/diagram" xmlns:a="http://schemas.openxmlformats.org/drawingml/2006/main" uniqueId="urn:microsoft.com/office/officeart/2005/8/colors/colorful3">
+<dgm:colorsDef xmlns:dgm="http://schemas.openxmlformats.org/drawingml/2006/diagram" xmlns:a="http://schemas.openxmlformats.org/drawingml/2006/main" uniqueId="urn:microsoft.com/office/officeart/2005/8/colors/accent0_2">
   <dgm:title val=""/>
   <dgm:desc val=""/>
   <dgm:catLst>
-    <dgm:cat type="colorful" pri="10300"/>
+    <dgm:cat type="mainScheme" pri="10200"/>
   </dgm:catLst>
   <dgm:styleLbl name="node0">
     <dgm:fillClrLst meth="repeat">
-      <a:schemeClr val="accent2"/>
-    </dgm:fillClrLst>
-    <dgm:linClrLst meth="repeat">
       <a:schemeClr val="lt1"/>
+    </dgm:fillClrLst>
+    <dgm:linClrLst meth="repeat">
+      <a:schemeClr val="dk2">
+        <a:shade val="80000"/>
+      </a:schemeClr>
+    </dgm:linClrLst>
+    <dgm:effectClrLst/>
+    <dgm:txLinClrLst/>
+    <dgm:txFillClrLst meth="repeat">
+      <a:schemeClr val="dk2"/>
+    </dgm:txFillClrLst>
+    <dgm:txEffectClrLst/>
+  </dgm:styleLbl>
+  <dgm:styleLbl name="node1">
+    <dgm:fillClrLst meth="repeat">
+      <a:schemeClr val="lt1"/>
+    </dgm:fillClrLst>
+    <dgm:linClrLst meth="repeat">
+      <a:schemeClr val="dk2">
+        <a:shade val="80000"/>
+      </a:schemeClr>
+    </dgm:linClrLst>
+    <dgm:effectClrLst/>
+    <dgm:txLinClrLst/>
+    <dgm:txFillClrLst meth="repeat">
+      <a:schemeClr val="dk2"/>
+    </dgm:txFillClrLst>
+    <dgm:txEffectClrLst/>
+  </dgm:styleLbl>
+  <dgm:styleLbl name="alignNode1">
+    <dgm:fillClrLst meth="repeat">
+      <a:schemeClr val="lt1"/>
+    </dgm:fillClrLst>
+    <dgm:linClrLst meth="repeat">
+      <a:schemeClr val="dk2">
+        <a:shade val="80000"/>
+      </a:schemeClr>
+    </dgm:linClrLst>
+    <dgm:effectClrLst/>
+    <dgm:txLinClrLst/>
+    <dgm:txFillClrLst meth="repeat">
+      <a:schemeClr val="dk2"/>
+    </dgm:txFillClrLst>
+    <dgm:txEffectClrLst/>
+  </dgm:styleLbl>
+  <dgm:styleLbl name="lnNode1">
+    <dgm:fillClrLst meth="repeat">
+      <a:schemeClr val="lt1"/>
+    </dgm:fillClrLst>
+    <dgm:linClrLst meth="repeat">
+      <a:schemeClr val="dk2">
+        <a:shade val="80000"/>
+      </a:schemeClr>
+    </dgm:linClrLst>
+    <dgm:effectClrLst/>
+    <dgm:txLinClrLst/>
+    <dgm:txFillClrLst meth="repeat">
+      <a:schemeClr val="dk2"/>
+    </dgm:txFillClrLst>
+    <dgm:txEffectClrLst/>
+  </dgm:styleLbl>
+  <dgm:styleLbl name="vennNode1">
+    <dgm:fillClrLst meth="repeat">
+      <a:schemeClr val="lt1">
+        <a:alpha val="50000"/>
+      </a:schemeClr>
+    </dgm:fillClrLst>
+    <dgm:linClrLst meth="repeat">
+      <a:schemeClr val="dk2">
+        <a:shade val="80000"/>
+      </a:schemeClr>
     </dgm:linClrLst>
     <dgm:effectClrLst/>
     <dgm:txLinClrLst/>
     <dgm:txFillClrLst/>
     <dgm:txEffectClrLst/>
   </dgm:styleLbl>
-  <dgm:styleLbl name="node1">
-    <dgm:fillClrLst>
-      <a:schemeClr val="accent3"/>
-      <a:schemeClr val="accent4"/>
-    </dgm:fillClrLst>
-    <dgm:linClrLst meth="repeat">
+  <dgm:styleLbl name="node2">
+    <dgm:fillClrLst meth="repeat">
       <a:schemeClr val="lt1"/>
-    </dgm:linClrLst>
-    <dgm:effectClrLst/>
-    <dgm:txLinClrLst/>
-    <dgm:txFillClrLst/>
-    <dgm:txEffectClrLst/>
-  </dgm:styleLbl>
-  <dgm:styleLbl name="alignNode1">
-    <dgm:fillClrLst>
-      <a:schemeClr val="accent3"/>
-      <a:schemeClr val="accent4"/>
-    </dgm:fillClrLst>
-    <dgm:linClrLst>
-      <a:schemeClr val="accent3"/>
-      <a:schemeClr val="accent4"/>
-    </dgm:linClrLst>
-    <dgm:effectClrLst/>
-    <dgm:txLinClrLst/>
-    <dgm:txFillClrLst/>
-    <dgm:txEffectClrLst/>
-  </dgm:styleLbl>
-  <dgm:styleLbl name="lnNode1">
-    <dgm:fillClrLst>
-      <a:schemeClr val="accent3"/>
-      <a:schemeClr val="accent4"/>
-    </dgm:fillClrLst>
-    <dgm:linClrLst meth="repeat">
+    </dgm:fillClrLst>
+    <dgm:linClrLst meth="repeat">
+      <a:schemeClr val="dk2">
+        <a:shade val="80000"/>
+      </a:schemeClr>
+    </dgm:linClrLst>
+    <dgm:effectClrLst/>
+    <dgm:txLinClrLst/>
+    <dgm:txFillClrLst meth="repeat">
+      <a:schemeClr val="dk2"/>
+    </dgm:txFillClrLst>
+    <dgm:txEffectClrLst/>
+  </dgm:styleLbl>
+  <dgm:styleLbl name="node3">
+    <dgm:fillClrLst meth="repeat">
       <a:schemeClr val="lt1"/>
-    </dgm:linClrLst>
-    <dgm:effectClrLst/>
-    <dgm:txLinClrLst/>
-    <dgm:txFillClrLst/>
-    <dgm:txEffectClrLst/>
-  </dgm:styleLbl>
-  <dgm:styleLbl name="vennNode1">
-    <dgm:fillClrLst>
-      <a:schemeClr val="accent3">
-        <a:alpha val="50000"/>
-      </a:schemeClr>
-      <a:schemeClr val="accent4">
-        <a:alpha val="50000"/>
-      </a:schemeClr>
-    </dgm:fillClrLst>
-    <dgm:linClrLst meth="repeat">
+    </dgm:fillClrLst>
+    <dgm:linClrLst meth="repeat">
+      <a:schemeClr val="dk2">
+        <a:shade val="80000"/>
+      </a:schemeClr>
+    </dgm:linClrLst>
+    <dgm:effectClrLst/>
+    <dgm:txLinClrLst/>
+    <dgm:txFillClrLst meth="repeat">
+      <a:schemeClr val="dk2"/>
+    </dgm:txFillClrLst>
+    <dgm:txEffectClrLst/>
+  </dgm:styleLbl>
+  <dgm:styleLbl name="node4">
+    <dgm:fillClrLst meth="repeat">
       <a:schemeClr val="lt1"/>
-    </dgm:linClrLst>
-    <dgm:effectClrLst/>
-    <dgm:txLinClrLst/>
-    <dgm:txFillClrLst/>
-    <dgm:txEffectClrLst/>
-  </dgm:styleLbl>
-  <dgm:styleLbl name="node2">
-    <dgm:fillClrLst>
-      <a:schemeClr val="accent4"/>
-    </dgm:fillClrLst>
-    <dgm:linClrLst meth="repeat">
-      <a:schemeClr val="lt1"/>
-    </dgm:linClrLst>
-    <dgm:effectClrLst/>
-    <dgm:txLinClrLst/>
-    <dgm:txFillClrLst/>
-    <dgm:txEffectClrLst/>
-  </dgm:styleLbl>
-  <dgm:styleLbl name="node3">
-    <dgm:fillClrLst>
-      <a:schemeClr val="accent5"/>
-    </dgm:fillClrLst>
-    <dgm:linClrLst meth="repeat">
-      <a:schemeClr val="lt1"/>
-    </dgm:linClrLst>
-    <dgm:effectClrLst/>
-    <dgm:txLinClrLst/>
-    <dgm:txFillClrLst/>
-    <dgm:txEffectClrLst/>
-  </dgm:styleLbl>
-  <dgm:styleLbl name="node4">
-    <dgm:fillClrLst>
-      <a:schemeClr val="accent6"/>
-    </dgm:fillClrLst>
-    <dgm:linClrLst meth="repeat">
-      <a:schemeClr val="lt1"/>
-    </dgm:linClrLst>
-    <dgm:effectClrLst/>
-    <dgm:txLinClrLst/>
-    <dgm:txFillClrLst/>
+    </dgm:fillClrLst>
+    <dgm:linClrLst meth="repeat">
+      <a:schemeClr val="dk2">
+        <a:shade val="80000"/>
+      </a:schemeClr>
+    </dgm:linClrLst>
+    <dgm:effectClrLst/>
+    <dgm:txLinClrLst/>
+    <dgm:txFillClrLst meth="repeat">
+      <a:schemeClr val="dk2"/>
+    </dgm:txFillClrLst>
     <dgm:txEffectClrLst/>
   </dgm:styleLbl>
   <dgm:styleLbl name="fgImgPlace1">
-    <dgm:fillClrLst>
-      <a:schemeClr val="accent3">
-        <a:tint val="50000"/>
-      </a:schemeClr>
-      <a:schemeClr val="accent4">
-        <a:tint val="50000"/>
-      </a:schemeClr>
-    </dgm:fillClrLst>
-    <dgm:linClrLst meth="repeat">
-      <a:schemeClr val="lt1"/>
+    <dgm:fillClrLst meth="repeat">
+      <a:schemeClr val="dk2">
+        <a:tint val="40000"/>
+      </a:schemeClr>
+    </dgm:fillClrLst>
+    <dgm:linClrLst meth="repeat">
+      <a:schemeClr val="dk2">
+        <a:shade val="80000"/>
+      </a:schemeClr>
     </dgm:linClrLst>
     <dgm:effectClrLst/>
     <dgm:txLinClrLst/>
@@ -6541,16 +6563,15 @@
     <dgm:txEffectClrLst/>
   </dgm:styleLbl>
   <dgm:styleLbl name="alignImgPlace1">
-    <dgm:fillClrLst>
-      <a:schemeClr val="accent3">
-        <a:tint val="50000"/>
-      </a:schemeClr>
-      <a:schemeClr val="accent4">
-        <a:tint val="20000"/>
-      </a:schemeClr>
-    </dgm:fillClrLst>
-    <dgm:linClrLst meth="repeat">
-      <a:schemeClr val="lt1"/>
+    <dgm:fillClrLst meth="repeat">
+      <a:schemeClr val="dk2">
+        <a:tint val="40000"/>
+      </a:schemeClr>
+    </dgm:fillClrLst>
+    <dgm:linClrLst meth="repeat">
+      <a:schemeClr val="dk2">
+        <a:shade val="80000"/>
+      </a:schemeClr>
     </dgm:linClrLst>
     <dgm:effectClrLst/>
     <dgm:txLinClrLst/>
@@ -6560,16 +6581,15 @@
     <dgm:txEffectClrLst/>
   </dgm:styleLbl>
   <dgm:styleLbl name="bgImgPlace1">
-    <dgm:fillClrLst>
-      <a:schemeClr val="accent3">
-        <a:tint val="50000"/>
-      </a:schemeClr>
-      <a:schemeClr val="accent4">
-        <a:tint val="20000"/>
-      </a:schemeClr>
-    </dgm:fillClrLst>
-    <dgm:linClrLst meth="repeat">
-      <a:schemeClr val="lt1"/>
+    <dgm:fillClrLst meth="repeat">
+      <a:schemeClr val="dk2">
+        <a:tint val="40000"/>
+      </a:schemeClr>
+    </dgm:fillClrLst>
+    <dgm:linClrLst meth="repeat">
+      <a:schemeClr val="dk2">
+        <a:shade val="80000"/>
+      </a:schemeClr>
     </dgm:linClrLst>
     <dgm:effectClrLst/>
     <dgm:txLinClrLst/>
@@ -6579,25 +6599,213 @@
     <dgm:txEffectClrLst/>
   </dgm:styleLbl>
   <dgm:styleLbl name="sibTrans2D1">
-    <dgm:fillClrLst>
-      <a:schemeClr val="accent3"/>
-      <a:schemeClr val="accent4"/>
-    </dgm:fillClrLst>
-    <dgm:linClrLst meth="repeat">
+    <dgm:fillClrLst meth="repeat">
+      <a:schemeClr val="dk2">
+        <a:tint val="60000"/>
+      </a:schemeClr>
+    </dgm:fillClrLst>
+    <dgm:linClrLst meth="repeat">
+      <a:schemeClr val="dk2">
+        <a:tint val="60000"/>
+      </a:schemeClr>
+    </dgm:linClrLst>
+    <dgm:effectClrLst/>
+    <dgm:txLinClrLst/>
+    <dgm:txFillClrLst meth="repeat">
+      <a:schemeClr val="dk2"/>
+    </dgm:txFillClrLst>
+    <dgm:txEffectClrLst/>
+  </dgm:styleLbl>
+  <dgm:styleLbl name="fgSibTrans2D1">
+    <dgm:fillClrLst meth="repeat">
+      <a:schemeClr val="dk2">
+        <a:tint val="60000"/>
+      </a:schemeClr>
+    </dgm:fillClrLst>
+    <dgm:linClrLst meth="repeat">
+      <a:schemeClr val="dk2">
+        <a:tint val="60000"/>
+      </a:schemeClr>
+    </dgm:linClrLst>
+    <dgm:effectClrLst/>
+    <dgm:txLinClrLst/>
+    <dgm:txFillClrLst meth="repeat">
+      <a:schemeClr val="dk2"/>
+    </dgm:txFillClrLst>
+    <dgm:txEffectClrLst/>
+  </dgm:styleLbl>
+  <dgm:styleLbl name="bgSibTrans2D1">
+    <dgm:fillClrLst meth="repeat">
+      <a:schemeClr val="dk2">
+        <a:tint val="60000"/>
+      </a:schemeClr>
+    </dgm:fillClrLst>
+    <dgm:linClrLst meth="repeat">
+      <a:schemeClr val="dk2">
+        <a:tint val="60000"/>
+      </a:schemeClr>
+    </dgm:linClrLst>
+    <dgm:effectClrLst/>
+    <dgm:txLinClrLst/>
+    <dgm:txFillClrLst meth="repeat">
+      <a:schemeClr val="dk2"/>
+    </dgm:txFillClrLst>
+    <dgm:txEffectClrLst/>
+  </dgm:styleLbl>
+  <dgm:styleLbl name="sibTrans1D1">
+    <dgm:fillClrLst meth="repeat">
+      <a:schemeClr val="dk2"/>
+    </dgm:fillClrLst>
+    <dgm:linClrLst meth="repeat">
+      <a:schemeClr val="dk2"/>
+    </dgm:linClrLst>
+    <dgm:effectClrLst/>
+    <dgm:txLinClrLst/>
+    <dgm:txFillClrLst meth="repeat">
+      <a:schemeClr val="tx1"/>
+    </dgm:txFillClrLst>
+    <dgm:txEffectClrLst/>
+  </dgm:styleLbl>
+  <dgm:styleLbl name="callout">
+    <dgm:fillClrLst meth="repeat">
+      <a:schemeClr val="dk2"/>
+    </dgm:fillClrLst>
+    <dgm:linClrLst meth="repeat">
+      <a:schemeClr val="dk2"/>
+    </dgm:linClrLst>
+    <dgm:effectClrLst/>
+    <dgm:txLinClrLst/>
+    <dgm:txFillClrLst meth="repeat">
+      <a:schemeClr val="tx1"/>
+    </dgm:txFillClrLst>
+    <dgm:txEffectClrLst/>
+  </dgm:styleLbl>
+  <dgm:styleLbl name="asst0">
+    <dgm:fillClrLst meth="repeat">
       <a:schemeClr val="lt1"/>
+    </dgm:fillClrLst>
+    <dgm:linClrLst meth="repeat">
+      <a:schemeClr val="dk2">
+        <a:shade val="80000"/>
+      </a:schemeClr>
+    </dgm:linClrLst>
+    <dgm:effectClrLst/>
+    <dgm:txLinClrLst/>
+    <dgm:txFillClrLst meth="repeat">
+      <a:schemeClr val="dk2"/>
+    </dgm:txFillClrLst>
+    <dgm:txEffectClrLst/>
+  </dgm:styleLbl>
+  <dgm:styleLbl name="asst1">
+    <dgm:fillClrLst meth="repeat">
+      <a:schemeClr val="lt1"/>
+    </dgm:fillClrLst>
+    <dgm:linClrLst meth="repeat">
+      <a:schemeClr val="dk2">
+        <a:shade val="80000"/>
+      </a:schemeClr>
+    </dgm:linClrLst>
+    <dgm:effectClrLst/>
+    <dgm:txLinClrLst/>
+    <dgm:txFillClrLst meth="repeat">
+      <a:schemeClr val="dk2"/>
+    </dgm:txFillClrLst>
+    <dgm:txEffectClrLst/>
+  </dgm:styleLbl>
+  <dgm:styleLbl name="asst2">
+    <dgm:fillClrLst meth="repeat">
+      <a:schemeClr val="lt1"/>
+    </dgm:fillClrLst>
+    <dgm:linClrLst meth="repeat">
+      <a:schemeClr val="dk2">
+        <a:shade val="80000"/>
+      </a:schemeClr>
+    </dgm:linClrLst>
+    <dgm:effectClrLst/>
+    <dgm:txLinClrLst/>
+    <dgm:txFillClrLst meth="repeat">
+      <a:schemeClr val="dk2"/>
+    </dgm:txFillClrLst>
+    <dgm:txEffectClrLst/>
+  </dgm:styleLbl>
+  <dgm:styleLbl name="asst3">
+    <dgm:fillClrLst meth="repeat">
+      <a:schemeClr val="lt1"/>
+    </dgm:fillClrLst>
+    <dgm:linClrLst meth="repeat">
+      <a:schemeClr val="dk2">
+        <a:shade val="80000"/>
+      </a:schemeClr>
+    </dgm:linClrLst>
+    <dgm:effectClrLst/>
+    <dgm:txLinClrLst/>
+    <dgm:txFillClrLst meth="repeat">
+      <a:schemeClr val="dk2"/>
+    </dgm:txFillClrLst>
+    <dgm:txEffectClrLst/>
+  </dgm:styleLbl>
+  <dgm:styleLbl name="asst4">
+    <dgm:fillClrLst meth="repeat">
+      <a:schemeClr val="lt1"/>
+    </dgm:fillClrLst>
+    <dgm:linClrLst meth="repeat">
+      <a:schemeClr val="dk2">
+        <a:shade val="80000"/>
+      </a:schemeClr>
+    </dgm:linClrLst>
+    <dgm:effectClrLst/>
+    <dgm:txLinClrLst/>
+    <dgm:txFillClrLst meth="repeat">
+      <a:schemeClr val="dk2"/>
+    </dgm:txFillClrLst>
+    <dgm:txEffectClrLst/>
+  </dgm:styleLbl>
+  <dgm:styleLbl name="parChTrans2D1">
+    <dgm:fillClrLst meth="repeat">
+      <a:schemeClr val="dk2">
+        <a:tint val="60000"/>
+      </a:schemeClr>
+    </dgm:fillClrLst>
+    <dgm:linClrLst meth="repeat">
+      <a:schemeClr val="dk2">
+        <a:tint val="60000"/>
+      </a:schemeClr>
     </dgm:linClrLst>
     <dgm:effectClrLst/>
     <dgm:txLinClrLst/>
     <dgm:txFillClrLst/>
     <dgm:txEffectClrLst/>
   </dgm:styleLbl>
-  <dgm:styleLbl name="fgSibTrans2D1">
-    <dgm:fillClrLst>
-      <a:schemeClr val="accent3"/>
-      <a:schemeClr val="accent4"/>
-    </dgm:fillClrLst>
-    <dgm:linClrLst meth="repeat">
-      <a:schemeClr val="lt1"/>
+  <dgm:styleLbl name="parChTrans2D2">
+    <dgm:fillClrLst meth="repeat">
+      <a:schemeClr val="dk2"/>
+    </dgm:fillClrLst>
+    <dgm:linClrLst meth="repeat">
+      <a:schemeClr val="dk2"/>
+    </dgm:linClrLst>
+    <dgm:effectClrLst/>
+    <dgm:txLinClrLst/>
+    <dgm:txFillClrLst/>
+    <dgm:txEffectClrLst/>
+  </dgm:styleLbl>
+  <dgm:styleLbl name="parChTrans2D3">
+    <dgm:fillClrLst meth="repeat">
+      <a:schemeClr val="dk2"/>
+    </dgm:fillClrLst>
+    <dgm:linClrLst meth="repeat">
+      <a:schemeClr val="dk2"/>
+    </dgm:linClrLst>
+    <dgm:effectClrLst/>
+    <dgm:txLinClrLst/>
+    <dgm:txFillClrLst/>
+    <dgm:txEffectClrLst/>
+  </dgm:styleLbl>
+  <dgm:styleLbl name="parChTrans2D4">
+    <dgm:fillClrLst meth="repeat">
+      <a:schemeClr val="dk2"/>
+    </dgm:fillClrLst>
+    <dgm:linClrLst meth="repeat">
+      <a:schemeClr val="dk2"/>
     </dgm:linClrLst>
     <dgm:effectClrLst/>
     <dgm:txLinClrLst/>
@@ -6606,26 +6814,14 @@
     </dgm:txFillClrLst>
     <dgm:txEffectClrLst/>
   </dgm:styleLbl>
-  <dgm:styleLbl name="bgSibTrans2D1">
-    <dgm:fillClrLst>
-      <a:schemeClr val="accent3"/>
-      <a:schemeClr val="accent4"/>
-    </dgm:fillClrLst>
-    <dgm:linClrLst meth="repeat">
-      <a:schemeClr val="lt1"/>
-    </dgm:linClrLst>
-    <dgm:effectClrLst/>
-    <dgm:txLinClrLst/>
-    <dgm:txFillClrLst meth="repeat">
-      <a:schemeClr val="lt1"/>
-    </dgm:txFillClrLst>
-    <dgm:txEffectClrLst/>
-  </dgm:styleLbl>
-  <dgm:styleLbl name="sibTrans1D1">
-    <dgm:fillClrLst/>
-    <dgm:linClrLst>
-      <a:schemeClr val="accent3"/>
-      <a:schemeClr val="accent4"/>
+  <dgm:styleLbl name="parChTrans1D1">
+    <dgm:fillClrLst meth="repeat">
+      <a:schemeClr val="dk2"/>
+    </dgm:fillClrLst>
+    <dgm:linClrLst meth="repeat">
+      <a:schemeClr val="dk2">
+        <a:shade val="60000"/>
+      </a:schemeClr>
     </dgm:linClrLst>
     <dgm:effectClrLst/>
     <dgm:txLinClrLst/>
@@ -6634,13 +6830,13 @@
     </dgm:txFillClrLst>
     <dgm:txEffectClrLst/>
   </dgm:styleLbl>
-  <dgm:styleLbl name="callout">
+  <dgm:styleLbl name="parChTrans1D2">
     <dgm:fillClrLst meth="repeat">
-      <a:schemeClr val="accent3"/>
-    </dgm:fillClrLst>
-    <dgm:linClrLst meth="repeat">
-      <a:schemeClr val="accent3">
-        <a:tint val="50000"/>
+      <a:schemeClr val="dk2"/>
+    </dgm:fillClrLst>
+    <dgm:linClrLst meth="repeat">
+      <a:schemeClr val="dk2">
+        <a:shade val="60000"/>
       </a:schemeClr>
     </dgm:linClrLst>
     <dgm:effectClrLst/>
@@ -6650,128 +6846,14 @@
     </dgm:txFillClrLst>
     <dgm:txEffectClrLst/>
   </dgm:styleLbl>
-  <dgm:styleLbl name="asst0">
+  <dgm:styleLbl name="parChTrans1D3">
     <dgm:fillClrLst meth="repeat">
-      <a:schemeClr val="accent3"/>
-    </dgm:fillClrLst>
-    <dgm:linClrLst meth="repeat">
-      <a:schemeClr val="lt1">
+      <a:schemeClr val="dk2"/>
+    </dgm:fillClrLst>
+    <dgm:linClrLst meth="repeat">
+      <a:schemeClr val="dk2">
         <a:shade val="80000"/>
       </a:schemeClr>
-    </dgm:linClrLst>
-    <dgm:effectClrLst/>
-    <dgm:txLinClrLst/>
-    <dgm:txFillClrLst/>
-    <dgm:txEffectClrLst/>
-  </dgm:styleLbl>
-  <dgm:styleLbl name="asst1">
-    <dgm:fillClrLst meth="repeat">
-      <a:schemeClr val="accent4"/>
-    </dgm:fillClrLst>
-    <dgm:linClrLst meth="repeat">
-      <a:schemeClr val="lt1">
-        <a:shade val="80000"/>
-      </a:schemeClr>
-    </dgm:linClrLst>
-    <dgm:effectClrLst/>
-    <dgm:txLinClrLst/>
-    <dgm:txFillClrLst/>
-    <dgm:txEffectClrLst/>
-  </dgm:styleLbl>
-  <dgm:styleLbl name="asst2">
-    <dgm:fillClrLst>
-      <a:schemeClr val="accent5"/>
-    </dgm:fillClrLst>
-    <dgm:linClrLst meth="repeat">
-      <a:schemeClr val="lt1"/>
-    </dgm:linClrLst>
-    <dgm:effectClrLst/>
-    <dgm:txLinClrLst/>
-    <dgm:txFillClrLst/>
-    <dgm:txEffectClrLst/>
-  </dgm:styleLbl>
-  <dgm:styleLbl name="asst3">
-    <dgm:fillClrLst>
-      <a:schemeClr val="accent6"/>
-    </dgm:fillClrLst>
-    <dgm:linClrLst meth="repeat">
-      <a:schemeClr val="lt1"/>
-    </dgm:linClrLst>
-    <dgm:effectClrLst/>
-    <dgm:txLinClrLst/>
-    <dgm:txFillClrLst/>
-    <dgm:txEffectClrLst/>
-  </dgm:styleLbl>
-  <dgm:styleLbl name="asst4">
-    <dgm:fillClrLst>
-      <a:schemeClr val="accent1"/>
-    </dgm:fillClrLst>
-    <dgm:linClrLst meth="repeat">
-      <a:schemeClr val="lt1"/>
-    </dgm:linClrLst>
-    <dgm:effectClrLst/>
-    <dgm:txLinClrLst/>
-    <dgm:txFillClrLst/>
-    <dgm:txEffectClrLst/>
-  </dgm:styleLbl>
-  <dgm:styleLbl name="parChTrans2D1">
-    <dgm:fillClrLst meth="repeat">
-      <a:schemeClr val="accent2"/>
-    </dgm:fillClrLst>
-    <dgm:linClrLst meth="repeat">
-      <a:schemeClr val="lt1"/>
-    </dgm:linClrLst>
-    <dgm:effectClrLst/>
-    <dgm:txLinClrLst/>
-    <dgm:txFillClrLst meth="repeat">
-      <a:schemeClr val="lt1"/>
-    </dgm:txFillClrLst>
-    <dgm:txEffectClrLst/>
-  </dgm:styleLbl>
-  <dgm:styleLbl name="parChTrans2D2">
-    <dgm:fillClrLst meth="repeat">
-      <a:schemeClr val="accent3"/>
-    </dgm:fillClrLst>
-    <dgm:linClrLst meth="repeat">
-      <a:schemeClr val="lt1"/>
-    </dgm:linClrLst>
-    <dgm:effectClrLst/>
-    <dgm:txLinClrLst/>
-    <dgm:txFillClrLst/>
-    <dgm:txEffectClrLst/>
-  </dgm:styleLbl>
-  <dgm:styleLbl name="parChTrans2D3">
-    <dgm:fillClrLst meth="repeat">
-      <a:schemeClr val="accent4"/>
-    </dgm:fillClrLst>
-    <dgm:linClrLst meth="repeat">
-      <a:schemeClr val="lt1"/>
-    </dgm:linClrLst>
-    <dgm:effectClrLst/>
-    <dgm:txLinClrLst/>
-    <dgm:txFillClrLst/>
-    <dgm:txEffectClrLst/>
-  </dgm:styleLbl>
-  <dgm:styleLbl name="parChTrans2D4">
-    <dgm:fillClrLst meth="repeat">
-      <a:schemeClr val="accent5"/>
-    </dgm:fillClrLst>
-    <dgm:linClrLst meth="repeat">
-      <a:schemeClr val="lt1"/>
-    </dgm:linClrLst>
-    <dgm:effectClrLst/>
-    <dgm:txLinClrLst/>
-    <dgm:txFillClrLst meth="repeat">
-      <a:schemeClr val="lt1"/>
-    </dgm:txFillClrLst>
-    <dgm:txEffectClrLst/>
-  </dgm:styleLbl>
-  <dgm:styleLbl name="parChTrans1D1">
-    <dgm:fillClrLst meth="repeat">
-      <a:schemeClr val="accent3"/>
-    </dgm:fillClrLst>
-    <dgm:linClrLst meth="repeat">
-      <a:schemeClr val="accent3"/>
     </dgm:linClrLst>
     <dgm:effectClrLst/>
     <dgm:txLinClrLst/>
@@ -6780,14 +6862,14 @@
     </dgm:txFillClrLst>
     <dgm:txEffectClrLst/>
   </dgm:styleLbl>
-  <dgm:styleLbl name="parChTrans1D2">
+  <dgm:styleLbl name="parChTrans1D4">
     <dgm:fillClrLst meth="repeat">
-      <a:schemeClr val="accent2">
-        <a:tint val="90000"/>
-      </a:schemeClr>
-    </dgm:fillClrLst>
-    <dgm:linClrLst meth="repeat">
-      <a:schemeClr val="accent4"/>
+      <a:schemeClr val="dk2"/>
+    </dgm:fillClrLst>
+    <dgm:linClrLst meth="repeat">
+      <a:schemeClr val="dk2">
+        <a:shade val="80000"/>
+      </a:schemeClr>
     </dgm:linClrLst>
     <dgm:effectClrLst/>
     <dgm:txLinClrLst/>
@@ -6796,47 +6878,266 @@
     </dgm:txFillClrLst>
     <dgm:txEffectClrLst/>
   </dgm:styleLbl>
-  <dgm:styleLbl name="parChTrans1D3">
+  <dgm:styleLbl name="fgAcc1">
     <dgm:fillClrLst meth="repeat">
-      <a:schemeClr val="accent2">
-        <a:tint val="70000"/>
-      </a:schemeClr>
-    </dgm:fillClrLst>
-    <dgm:linClrLst meth="repeat">
-      <a:schemeClr val="accent5"/>
+      <a:schemeClr val="dk2">
+        <a:alpha val="90000"/>
+        <a:tint val="40000"/>
+      </a:schemeClr>
+    </dgm:fillClrLst>
+    <dgm:linClrLst meth="repeat">
+      <a:schemeClr val="dk2"/>
     </dgm:linClrLst>
     <dgm:effectClrLst/>
     <dgm:txLinClrLst/>
     <dgm:txFillClrLst meth="repeat">
-      <a:schemeClr val="tx1"/>
+      <a:schemeClr val="dk2"/>
     </dgm:txFillClrLst>
     <dgm:txEffectClrLst/>
   </dgm:styleLbl>
-  <dgm:styleLbl name="parChTrans1D4">
+  <dgm:styleLbl name="conFgAcc1">
     <dgm:fillClrLst meth="repeat">
-      <a:schemeClr val="accent6">
-        <a:tint val="50000"/>
-      </a:schemeClr>
-    </dgm:fillClrLst>
-    <dgm:linClrLst meth="repeat">
-      <a:schemeClr val="accent6"/>
+      <a:schemeClr val="dk2">
+        <a:alpha val="90000"/>
+        <a:tint val="40000"/>
+      </a:schemeClr>
+    </dgm:fillClrLst>
+    <dgm:linClrLst meth="repeat">
+      <a:schemeClr val="dk2"/>
     </dgm:linClrLst>
     <dgm:effectClrLst/>
     <dgm:txLinClrLst/>
     <dgm:txFillClrLst meth="repeat">
-      <a:schemeClr val="tx1"/>
+      <a:schemeClr val="dk2"/>
     </dgm:txFillClrLst>
     <dgm:txEffectClrLst/>
   </dgm:styleLbl>
-  <dgm:styleLbl name="fgAcc1">
+  <dgm:styleLbl name="alignAcc1">
+    <dgm:fillClrLst meth="repeat">
+      <a:schemeClr val="dk2">
+        <a:alpha val="90000"/>
+        <a:tint val="40000"/>
+      </a:schemeClr>
+    </dgm:fillClrLst>
+    <dgm:linClrLst meth="repeat">
+      <a:schemeClr val="dk2"/>
+    </dgm:linClrLst>
+    <dgm:effectClrLst/>
+    <dgm:txLinClrLst/>
+    <dgm:txFillClrLst meth="repeat">
+      <a:schemeClr val="dk2"/>
+    </dgm:txFillClrLst>
+    <dgm:txEffectClrLst/>
+  </dgm:styleLbl>
+  <dgm:styleLbl name="trAlignAcc1">
+    <dgm:fillClrLst meth="repeat">
+      <a:schemeClr val="dk2">
+        <a:alpha val="40000"/>
+        <a:tint val="40000"/>
+      </a:schemeClr>
+    </dgm:fillClrLst>
+    <dgm:linClrLst meth="repeat">
+      <a:schemeClr val="dk2"/>
+    </dgm:linClrLst>
+    <dgm:effectClrLst/>
+    <dgm:txLinClrLst/>
+    <dgm:txFillClrLst meth="repeat">
+      <a:schemeClr val="dk2"/>
+    </dgm:txFillClrLst>
+    <dgm:txEffectClrLst/>
+  </dgm:styleLbl>
+  <dgm:styleLbl name="bgAcc1">
+    <dgm:fillClrLst meth="repeat">
+      <a:schemeClr val="dk2">
+        <a:alpha val="90000"/>
+        <a:tint val="40000"/>
+      </a:schemeClr>
+    </dgm:fillClrLst>
+    <dgm:linClrLst meth="repeat">
+      <a:schemeClr val="dk2"/>
+    </dgm:linClrLst>
+    <dgm:effectClrLst/>
+    <dgm:txLinClrLst/>
+    <dgm:txFillClrLst meth="repeat">
+      <a:schemeClr val="dk2"/>
+    </dgm:txFillClrLst>
+    <dgm:txEffectClrLst/>
+  </dgm:styleLbl>
+  <dgm:styleLbl name="solidFgAcc1">
+    <dgm:fillClrLst meth="repeat">
+      <a:schemeClr val="lt1"/>
+    </dgm:fillClrLst>
+    <dgm:linClrLst meth="repeat">
+      <a:schemeClr val="dk2"/>
+    </dgm:linClrLst>
+    <dgm:effectClrLst/>
+    <dgm:txLinClrLst/>
+    <dgm:txFillClrLst meth="repeat">
+      <a:schemeClr val="dk2"/>
+    </dgm:txFillClrLst>
+    <dgm:txEffectClrLst/>
+  </dgm:styleLbl>
+  <dgm:styleLbl name="solidAlignAcc1">
+    <dgm:fillClrLst meth="repeat">
+      <a:schemeClr val="lt1"/>
+    </dgm:fillClrLst>
+    <dgm:linClrLst meth="repeat">
+      <a:schemeClr val="dk2"/>
+    </dgm:linClrLst>
+    <dgm:effectClrLst/>
+    <dgm:txLinClrLst/>
+    <dgm:txFillClrLst meth="repeat">
+      <a:schemeClr val="dk2"/>
+    </dgm:txFillClrLst>
+    <dgm:txEffectClrLst/>
+  </dgm:styleLbl>
+  <dgm:styleLbl name="solidBgAcc1">
+    <dgm:fillClrLst meth="repeat">
+      <a:schemeClr val="lt1"/>
+    </dgm:fillClrLst>
+    <dgm:linClrLst meth="repeat">
+      <a:schemeClr val="dk2"/>
+    </dgm:linClrLst>
+    <dgm:effectClrLst/>
+    <dgm:txLinClrLst/>
+    <dgm:txFillClrLst meth="repeat">
+      <a:schemeClr val="dk2"/>
+    </dgm:txFillClrLst>
+    <dgm:txEffectClrLst/>
+  </dgm:styleLbl>
+  <dgm:styleLbl name="fgAccFollowNode1">
     <dgm:fillClrLst meth="repeat">
       <a:schemeClr val="lt1">
         <a:alpha val="90000"/>
-      </a:schemeClr>
-    </dgm:fillClrLst>
-    <dgm:linClrLst>
-      <a:schemeClr val="accent3"/>
-      <a:schemeClr val="accent4"/>
+        <a:tint val="40000"/>
+      </a:schemeClr>
+    </dgm:fillClrLst>
+    <dgm:linClrLst meth="repeat">
+      <a:schemeClr val="dk2">
+        <a:alpha val="90000"/>
+      </a:schemeClr>
+    </dgm:linClrLst>
+    <dgm:effectClrLst/>
+    <dgm:txLinClrLst/>
+    <dgm:txFillClrLst meth="repeat">
+      <a:schemeClr val="dk2"/>
+    </dgm:txFillClrLst>
+    <dgm:txEffectClrLst/>
+  </dgm:styleLbl>
+  <dgm:styleLbl name="alignAccFollowNode1">
+    <dgm:fillClrLst meth="repeat">
+      <a:schemeClr val="lt1">
+        <a:alpha val="90000"/>
+        <a:tint val="40000"/>
+      </a:schemeClr>
+    </dgm:fillClrLst>
+    <dgm:linClrLst meth="repeat">
+      <a:schemeClr val="dk2">
+        <a:alpha val="90000"/>
+      </a:schemeClr>
+    </dgm:linClrLst>
+    <dgm:effectClrLst/>
+    <dgm:txLinClrLst/>
+    <dgm:txFillClrLst meth="repeat">
+      <a:schemeClr val="dk2"/>
+    </dgm:txFillClrLst>
+    <dgm:txEffectClrLst/>
+  </dgm:styleLbl>
+  <dgm:styleLbl name="bgAccFollowNode1">
+    <dgm:fillClrLst meth="repeat">
+      <a:schemeClr val="lt1">
+        <a:alpha val="90000"/>
+        <a:tint val="40000"/>
+      </a:schemeClr>
+    </dgm:fillClrLst>
+    <dgm:linClrLst meth="repeat">
+      <a:schemeClr val="dk2">
+        <a:alpha val="90000"/>
+      </a:schemeClr>
+    </dgm:linClrLst>
+    <dgm:effectClrLst/>
+    <dgm:txLinClrLst/>
+    <dgm:txFillClrLst meth="repeat">
+      <a:schemeClr val="dk2"/>
+    </dgm:txFillClrLst>
+    <dgm:txEffectClrLst/>
+  </dgm:styleLbl>
+  <dgm:styleLbl name="fgAcc0">
+    <dgm:fillClrLst meth="repeat">
+      <a:schemeClr val="dk2">
+        <a:alpha val="90000"/>
+        <a:tint val="40000"/>
+      </a:schemeClr>
+    </dgm:fillClrLst>
+    <dgm:linClrLst meth="repeat">
+      <a:schemeClr val="dk2"/>
+    </dgm:linClrLst>
+    <dgm:effectClrLst/>
+    <dgm:txLinClrLst/>
+    <dgm:txFillClrLst meth="repeat">
+      <a:schemeClr val="dk2"/>
+    </dgm:txFillClrLst>
+    <dgm:txEffectClrLst/>
+  </dgm:styleLbl>
+  <dgm:styleLbl name="fgAcc2">
+    <dgm:fillClrLst meth="repeat">
+      <a:schemeClr val="dk2">
+        <a:alpha val="90000"/>
+        <a:tint val="40000"/>
+      </a:schemeClr>
+    </dgm:fillClrLst>
+    <dgm:linClrLst meth="repeat">
+      <a:schemeClr val="dk2"/>
+    </dgm:linClrLst>
+    <dgm:effectClrLst/>
+    <dgm:txLinClrLst/>
+    <dgm:txFillClrLst meth="repeat">
+      <a:schemeClr val="dk2"/>
+    </dgm:txFillClrLst>
+    <dgm:txEffectClrLst/>
+  </dgm:styleLbl>
+  <dgm:styleLbl name="fgAcc3">
+    <dgm:fillClrLst meth="repeat">
+      <a:schemeClr val="dk2">
+        <a:alpha val="90000"/>
+        <a:tint val="40000"/>
+      </a:schemeClr>
+    </dgm:fillClrLst>
+    <dgm:linClrLst meth="repeat">
+      <a:schemeClr val="dk2"/>
+    </dgm:linClrLst>
+    <dgm:effectClrLst/>
+    <dgm:txLinClrLst/>
+    <dgm:txFillClrLst meth="repeat">
+      <a:schemeClr val="dk2"/>
+    </dgm:txFillClrLst>
+    <dgm:txEffectClrLst/>
+  </dgm:styleLbl>
+  <dgm:styleLbl name="fgAcc4">
+    <dgm:fillClrLst meth="repeat">
+      <a:schemeClr val="dk2">
+        <a:alpha val="90000"/>
+        <a:tint val="40000"/>
+      </a:schemeClr>
+    </dgm:fillClrLst>
+    <dgm:linClrLst meth="repeat">
+      <a:schemeClr val="dk2"/>
+    </dgm:linClrLst>
+    <dgm:effectClrLst/>
+    <dgm:txLinClrLst/>
+    <dgm:txFillClrLst meth="repeat">
+      <a:schemeClr val="dk2"/>
+    </dgm:txFillClrLst>
+    <dgm:txEffectClrLst/>
+  </dgm:styleLbl>
+  <dgm:styleLbl name="bgShp">
+    <dgm:fillClrLst meth="repeat">
+      <a:schemeClr val="dk2">
+        <a:tint val="40000"/>
+      </a:schemeClr>
+    </dgm:fillClrLst>
+    <dgm:linClrLst meth="repeat">
+      <a:schemeClr val="dk2"/>
     </dgm:linClrLst>
     <dgm:effectClrLst/>
     <dgm:txLinClrLst/>
@@ -6845,319 +7146,43 @@
     </dgm:txFillClrLst>
     <dgm:txEffectClrLst/>
   </dgm:styleLbl>
-  <dgm:styleLbl name="conFgAcc1">
-    <dgm:fillClrLst meth="repeat">
-      <a:schemeClr val="lt1">
-        <a:alpha val="90000"/>
-      </a:schemeClr>
-    </dgm:fillClrLst>
-    <dgm:linClrLst>
-      <a:schemeClr val="accent3"/>
-      <a:schemeClr val="accent4"/>
-    </dgm:linClrLst>
-    <dgm:effectClrLst/>
-    <dgm:txLinClrLst/>
-    <dgm:txFillClrLst meth="repeat">
-      <a:schemeClr val="dk1"/>
-    </dgm:txFillClrLst>
-    <dgm:txEffectClrLst/>
-  </dgm:styleLbl>
-  <dgm:styleLbl name="alignAcc1">
-    <dgm:fillClrLst meth="repeat">
-      <a:schemeClr val="lt1">
-        <a:alpha val="90000"/>
-      </a:schemeClr>
-    </dgm:fillClrLst>
-    <dgm:linClrLst>
-      <a:schemeClr val="accent3"/>
-      <a:schemeClr val="accent4"/>
-    </dgm:linClrLst>
-    <dgm:effectClrLst/>
-    <dgm:txLinClrLst/>
-    <dgm:txFillClrLst meth="repeat">
-      <a:schemeClr val="dk1"/>
-    </dgm:txFillClrLst>
-    <dgm:txEffectClrLst/>
-  </dgm:styleLbl>
-  <dgm:styleLbl name="trAlignAcc1">
-    <dgm:fillClrLst meth="repeat">
-      <a:schemeClr val="lt1">
-        <a:alpha val="40000"/>
-      </a:schemeClr>
-    </dgm:fillClrLst>
-    <dgm:linClrLst meth="repeat">
-      <a:schemeClr val="accent2"/>
-    </dgm:linClrLst>
-    <dgm:effectClrLst/>
-    <dgm:txLinClrLst/>
-    <dgm:txFillClrLst meth="repeat">
-      <a:schemeClr val="dk1"/>
-    </dgm:txFillClrLst>
-    <dgm:txEffectClrLst/>
-  </dgm:styleLbl>
-  <dgm:styleLbl name="bgAcc1">
-    <dgm:fillClrLst meth="repeat">
-      <a:schemeClr val="lt1">
-        <a:alpha val="90000"/>
-      </a:schemeClr>
-    </dgm:fillClrLst>
-    <dgm:linClrLst>
-      <a:schemeClr val="accent3"/>
-      <a:schemeClr val="accent4"/>
-    </dgm:linClrLst>
-    <dgm:effectClrLst/>
-    <dgm:txLinClrLst/>
-    <dgm:txFillClrLst meth="repeat">
-      <a:schemeClr val="dk1"/>
-    </dgm:txFillClrLst>
-    <dgm:txEffectClrLst/>
-  </dgm:styleLbl>
-  <dgm:styleLbl name="solidFgAcc1">
-    <dgm:fillClrLst meth="repeat">
-      <a:schemeClr val="lt1"/>
-    </dgm:fillClrLst>
-    <dgm:linClrLst>
-      <a:schemeClr val="accent3"/>
-      <a:schemeClr val="accent4"/>
-    </dgm:linClrLst>
-    <dgm:effectClrLst/>
-    <dgm:txLinClrLst/>
-    <dgm:txFillClrLst meth="repeat">
-      <a:schemeClr val="dk1"/>
-    </dgm:txFillClrLst>
-    <dgm:txEffectClrLst/>
-  </dgm:styleLbl>
-  <dgm:styleLbl name="solidAlignAcc1">
-    <dgm:fillClrLst meth="repeat">
-      <a:schemeClr val="lt1"/>
-    </dgm:fillClrLst>
-    <dgm:linClrLst>
-      <a:schemeClr val="accent3"/>
-      <a:schemeClr val="accent4"/>
-    </dgm:linClrLst>
-    <dgm:effectClrLst/>
-    <dgm:txLinClrLst/>
-    <dgm:txFillClrLst meth="repeat">
-      <a:schemeClr val="dk1"/>
-    </dgm:txFillClrLst>
-    <dgm:txEffectClrLst/>
-  </dgm:styleLbl>
-  <dgm:styleLbl name="solidBgAcc1">
-    <dgm:fillClrLst meth="repeat">
-      <a:schemeClr val="lt1"/>
-    </dgm:fillClrLst>
-    <dgm:linClrLst>
-      <a:schemeClr val="accent3"/>
-      <a:schemeClr val="accent4"/>
-    </dgm:linClrLst>
-    <dgm:effectClrLst/>
-    <dgm:txLinClrLst/>
-    <dgm:txFillClrLst meth="repeat">
-      <a:schemeClr val="dk1"/>
-    </dgm:txFillClrLst>
-    <dgm:txEffectClrLst/>
-  </dgm:styleLbl>
-  <dgm:styleLbl name="fgAccFollowNode1">
-    <dgm:fillClrLst>
-      <a:schemeClr val="accent3">
-        <a:tint val="40000"/>
-        <a:alpha val="90000"/>
-      </a:schemeClr>
-      <a:schemeClr val="accent4">
-        <a:tint val="40000"/>
-        <a:alpha val="90000"/>
-      </a:schemeClr>
-    </dgm:fillClrLst>
-    <dgm:linClrLst>
-      <a:schemeClr val="accent3">
-        <a:tint val="40000"/>
-        <a:alpha val="90000"/>
-      </a:schemeClr>
-      <a:schemeClr val="accent4">
-        <a:tint val="40000"/>
-        <a:alpha val="90000"/>
-      </a:schemeClr>
-    </dgm:linClrLst>
-    <dgm:effectClrLst/>
-    <dgm:txLinClrLst/>
-    <dgm:txFillClrLst meth="repeat">
-      <a:schemeClr val="dk1"/>
-    </dgm:txFillClrLst>
-    <dgm:txEffectClrLst/>
-  </dgm:styleLbl>
-  <dgm:styleLbl name="alignAccFollowNode1">
-    <dgm:fillClrLst>
-      <a:schemeClr val="accent3">
-        <a:tint val="40000"/>
-        <a:alpha val="90000"/>
-      </a:schemeClr>
-      <a:schemeClr val="accent4">
-        <a:tint val="40000"/>
-        <a:alpha val="90000"/>
-      </a:schemeClr>
-    </dgm:fillClrLst>
-    <dgm:linClrLst>
-      <a:schemeClr val="accent3">
-        <a:tint val="40000"/>
-        <a:alpha val="90000"/>
-      </a:schemeClr>
-      <a:schemeClr val="accent4">
-        <a:tint val="40000"/>
-        <a:alpha val="90000"/>
-      </a:schemeClr>
-    </dgm:linClrLst>
-    <dgm:effectClrLst/>
-    <dgm:txLinClrLst/>
-    <dgm:txFillClrLst meth="repeat">
-      <a:schemeClr val="dk1"/>
-    </dgm:txFillClrLst>
-    <dgm:txEffectClrLst/>
-  </dgm:styleLbl>
-  <dgm:styleLbl name="bgAccFollowNode1">
-    <dgm:fillClrLst>
-      <a:schemeClr val="accent3">
-        <a:tint val="40000"/>
-        <a:alpha val="90000"/>
-      </a:schemeClr>
-      <a:schemeClr val="accent4">
-        <a:tint val="40000"/>
-        <a:alpha val="90000"/>
-      </a:schemeClr>
-    </dgm:fillClrLst>
-    <dgm:linClrLst>
-      <a:schemeClr val="accent3">
-        <a:tint val="40000"/>
-        <a:alpha val="90000"/>
-      </a:schemeClr>
-      <a:schemeClr val="accent4">
-        <a:tint val="40000"/>
-        <a:alpha val="90000"/>
-      </a:schemeClr>
-    </dgm:linClrLst>
-    <dgm:effectClrLst/>
-    <dgm:txLinClrLst/>
-    <dgm:txFillClrLst meth="repeat">
-      <a:schemeClr val="dk1"/>
-    </dgm:txFillClrLst>
-    <dgm:txEffectClrLst/>
-  </dgm:styleLbl>
-  <dgm:styleLbl name="fgAcc0">
-    <dgm:fillClrLst meth="repeat">
-      <a:schemeClr val="lt1">
-        <a:alpha val="90000"/>
-      </a:schemeClr>
-    </dgm:fillClrLst>
-    <dgm:linClrLst>
-      <a:schemeClr val="accent2"/>
-    </dgm:linClrLst>
-    <dgm:effectClrLst/>
-    <dgm:txLinClrLst/>
-    <dgm:txFillClrLst meth="repeat">
-      <a:schemeClr val="dk1"/>
-    </dgm:txFillClrLst>
-    <dgm:txEffectClrLst/>
-  </dgm:styleLbl>
-  <dgm:styleLbl name="fgAcc2">
-    <dgm:fillClrLst meth="repeat">
-      <a:schemeClr val="lt1">
-        <a:alpha val="90000"/>
-      </a:schemeClr>
-    </dgm:fillClrLst>
-    <dgm:linClrLst>
-      <a:schemeClr val="accent4"/>
-    </dgm:linClrLst>
-    <dgm:effectClrLst/>
-    <dgm:txLinClrLst/>
-    <dgm:txFillClrLst meth="repeat">
-      <a:schemeClr val="dk1"/>
-    </dgm:txFillClrLst>
-    <dgm:txEffectClrLst/>
-  </dgm:styleLbl>
-  <dgm:styleLbl name="fgAcc3">
-    <dgm:fillClrLst meth="repeat">
-      <a:schemeClr val="lt1">
-        <a:alpha val="90000"/>
-      </a:schemeClr>
-    </dgm:fillClrLst>
-    <dgm:linClrLst>
-      <a:schemeClr val="accent5"/>
-    </dgm:linClrLst>
-    <dgm:effectClrLst/>
-    <dgm:txLinClrLst/>
-    <dgm:txFillClrLst meth="repeat">
-      <a:schemeClr val="dk1"/>
-    </dgm:txFillClrLst>
-    <dgm:txEffectClrLst/>
-  </dgm:styleLbl>
-  <dgm:styleLbl name="fgAcc4">
-    <dgm:fillClrLst meth="repeat">
-      <a:schemeClr val="lt1">
-        <a:alpha val="90000"/>
-      </a:schemeClr>
-    </dgm:fillClrLst>
-    <dgm:linClrLst>
-      <a:schemeClr val="accent6"/>
-    </dgm:linClrLst>
-    <dgm:effectClrLst/>
-    <dgm:txLinClrLst/>
-    <dgm:txFillClrLst meth="repeat">
-      <a:schemeClr val="dk1"/>
-    </dgm:txFillClrLst>
-    <dgm:txEffectClrLst/>
-  </dgm:styleLbl>
-  <dgm:styleLbl name="bgShp">
-    <dgm:fillClrLst meth="repeat">
-      <a:schemeClr val="accent3">
-        <a:tint val="40000"/>
-      </a:schemeClr>
-    </dgm:fillClrLst>
-    <dgm:linClrLst meth="repeat">
-      <a:schemeClr val="dk1"/>
-    </dgm:linClrLst>
-    <dgm:effectClrLst/>
-    <dgm:txLinClrLst/>
-    <dgm:txFillClrLst meth="repeat">
-      <a:schemeClr val="dk1"/>
-    </dgm:txFillClrLst>
-    <dgm:txEffectClrLst/>
-  </dgm:styleLbl>
   <dgm:styleLbl name="dkBgShp">
     <dgm:fillClrLst meth="repeat">
-      <a:schemeClr val="accent3">
-        <a:shade val="90000"/>
-      </a:schemeClr>
-    </dgm:fillClrLst>
-    <dgm:linClrLst meth="repeat">
-      <a:schemeClr val="dk1"/>
+      <a:schemeClr val="dk2">
+        <a:shade val="80000"/>
+      </a:schemeClr>
+    </dgm:fillClrLst>
+    <dgm:linClrLst meth="repeat">
+      <a:schemeClr val="dk2"/>
     </dgm:linClrLst>
     <dgm:effectClrLst/>
     <dgm:txLinClrLst/>
     <dgm:txFillClrLst meth="repeat">
-      <a:schemeClr val="lt1"/>
+      <a:schemeClr val="lt2"/>
     </dgm:txFillClrLst>
     <dgm:txEffectClrLst/>
   </dgm:styleLbl>
   <dgm:styleLbl name="trBgShp">
     <dgm:fillClrLst meth="repeat">
-      <a:schemeClr val="accent2">
+      <a:schemeClr val="dk2">
         <a:tint val="50000"/>
         <a:alpha val="40000"/>
       </a:schemeClr>
     </dgm:fillClrLst>
     <dgm:linClrLst meth="repeat">
-      <a:schemeClr val="accent3"/>
+      <a:schemeClr val="dk2"/>
     </dgm:linClrLst>
     <dgm:effectClrLst/>
     <dgm:txLinClrLst/>
     <dgm:txFillClrLst meth="repeat">
-      <a:schemeClr val="lt1"/>
+      <a:schemeClr val="lt2"/>
     </dgm:txFillClrLst>
     <dgm:txEffectClrLst/>
   </dgm:styleLbl>
   <dgm:styleLbl name="fgShp">
     <dgm:fillClrLst meth="repeat">
-      <a:schemeClr val="accent3">
-        <a:tint val="40000"/>
+      <a:schemeClr val="dk2">
+        <a:tint val="60000"/>
       </a:schemeClr>
     </dgm:fillClrLst>
     <dgm:linClrLst meth="repeat">
@@ -7166,7 +7191,7 @@
     <dgm:effectClrLst/>
     <dgm:txLinClrLst/>
     <dgm:txFillClrLst meth="repeat">
-      <a:schemeClr val="dk1"/>
+      <a:schemeClr val="dk2"/>
     </dgm:txFillClrLst>
     <dgm:txEffectClrLst/>
   </dgm:styleLbl>
@@ -7177,7 +7202,7 @@
       </a:schemeClr>
     </dgm:fillClrLst>
     <dgm:linClrLst meth="repeat">
-      <a:schemeClr val="dk1">
+      <a:schemeClr val="dk2">
         <a:alpha val="0"/>
       </a:schemeClr>
     </dgm:linClrLst>
@@ -8852,7 +8877,7 @@
 <dgm:dataModel xmlns:dgm="http://schemas.openxmlformats.org/drawingml/2006/diagram" xmlns:a="http://schemas.openxmlformats.org/drawingml/2006/main">
   <dgm:ptLst>
     <dgm:pt modelId="{EE2F279B-4743-469E-B0A8-27EC6789F9FD}" type="doc">
-      <dgm:prSet loTypeId="urn:microsoft.com/office/officeart/2011/layout/InterconnectedBlockProcess#1" loCatId="process" qsTypeId="urn:microsoft.com/office/officeart/2005/8/quickstyle/simple5" qsCatId="simple" csTypeId="urn:microsoft.com/office/officeart/2005/8/colors/colorful3" csCatId="colorful" phldr="1"/>
+      <dgm:prSet loTypeId="urn:microsoft.com/office/officeart/2011/layout/InterconnectedBlockProcess#1" loCatId="process" qsTypeId="urn:microsoft.com/office/officeart/2005/8/quickstyle/simple5" qsCatId="simple" csTypeId="urn:microsoft.com/office/officeart/2005/8/colors/accent0_2" csCatId="mainScheme" phldr="1"/>
       <dgm:spPr/>
     </dgm:pt>
     <dgm:pt modelId="{76DA78CD-9B6E-483E-A609-A8036D537FF1}">
@@ -11587,8 +11612,8 @@
           </a:avLst>
         </a:prstGeom>
         <a:solidFill>
-          <a:schemeClr val="accent3">
-            <a:tint val="50000"/>
+          <a:schemeClr val="dk2">
+            <a:tint val="40000"/>
             <a:hueOff val="0"/>
             <a:satOff val="0"/>
             <a:lumOff val="0"/>
@@ -11670,7 +11695,7 @@
         <a:gradFill rotWithShape="0">
           <a:gsLst>
             <a:gs pos="0">
-              <a:schemeClr val="accent3">
+              <a:schemeClr val="lt1">
                 <a:hueOff val="0"/>
                 <a:satOff val="0"/>
                 <a:lumOff val="0"/>
@@ -11681,7 +11706,7 @@
               </a:schemeClr>
             </a:gs>
             <a:gs pos="60000">
-              <a:schemeClr val="accent3">
+              <a:schemeClr val="lt1">
                 <a:hueOff val="0"/>
                 <a:satOff val="0"/>
                 <a:lumOff val="0"/>
@@ -11693,7 +11718,7 @@
               </a:schemeClr>
             </a:gs>
             <a:gs pos="100000">
-              <a:schemeClr val="accent3">
+              <a:schemeClr val="lt1">
                 <a:hueOff val="0"/>
                 <a:satOff val="0"/>
                 <a:lumOff val="0"/>
@@ -11783,11 +11808,11 @@
           </a:avLst>
         </a:prstGeom>
         <a:solidFill>
-          <a:schemeClr val="accent3">
-            <a:tint val="50000"/>
-            <a:hueOff val="-1344154"/>
-            <a:satOff val="-5195"/>
-            <a:lumOff val="2528"/>
+          <a:schemeClr val="dk2">
+            <a:tint val="40000"/>
+            <a:hueOff val="0"/>
+            <a:satOff val="0"/>
+            <a:lumOff val="0"/>
             <a:alphaOff val="0"/>
           </a:schemeClr>
         </a:solidFill>
@@ -11866,10 +11891,10 @@
         <a:gradFill rotWithShape="0">
           <a:gsLst>
             <a:gs pos="0">
-              <a:schemeClr val="accent3">
-                <a:hueOff val="-1118806"/>
-                <a:satOff val="-1348"/>
-                <a:lumOff val="-8138"/>
+              <a:schemeClr val="lt1">
+                <a:hueOff val="0"/>
+                <a:satOff val="0"/>
+                <a:lumOff val="0"/>
                 <a:alphaOff val="0"/>
                 <a:tint val="97000"/>
                 <a:satMod val="115000"/>
@@ -11877,10 +11902,10 @@
               </a:schemeClr>
             </a:gs>
             <a:gs pos="60000">
-              <a:schemeClr val="accent3">
-                <a:hueOff val="-1118806"/>
-                <a:satOff val="-1348"/>
-                <a:lumOff val="-8138"/>
+              <a:schemeClr val="lt1">
+                <a:hueOff val="0"/>
+                <a:satOff val="0"/>
+                <a:lumOff val="0"/>
                 <a:alphaOff val="0"/>
                 <a:tint val="100000"/>
                 <a:shade val="96000"/>
@@ -11889,10 +11914,10 @@
               </a:schemeClr>
             </a:gs>
             <a:gs pos="100000">
-              <a:schemeClr val="accent3">
-                <a:hueOff val="-1118806"/>
-                <a:satOff val="-1348"/>
-                <a:lumOff val="-8138"/>
+              <a:schemeClr val="lt1">
+                <a:hueOff val="0"/>
+                <a:satOff val="0"/>
+                <a:lumOff val="0"/>
                 <a:alphaOff val="0"/>
                 <a:shade val="91000"/>
                 <a:satMod val="100000"/>
@@ -11979,11 +12004,11 @@
           </a:avLst>
         </a:prstGeom>
         <a:solidFill>
-          <a:schemeClr val="accent3">
-            <a:tint val="50000"/>
-            <a:hueOff val="-2688308"/>
-            <a:satOff val="-10389"/>
-            <a:lumOff val="5055"/>
+          <a:schemeClr val="dk2">
+            <a:tint val="40000"/>
+            <a:hueOff val="0"/>
+            <a:satOff val="0"/>
+            <a:lumOff val="0"/>
             <a:alphaOff val="0"/>
           </a:schemeClr>
         </a:solidFill>
@@ -12070,10 +12095,10 @@
         <a:gradFill rotWithShape="0">
           <a:gsLst>
             <a:gs pos="0">
-              <a:schemeClr val="accent3">
-                <a:hueOff val="-2237612"/>
-                <a:satOff val="-2695"/>
-                <a:lumOff val="-16275"/>
+              <a:schemeClr val="lt1">
+                <a:hueOff val="0"/>
+                <a:satOff val="0"/>
+                <a:lumOff val="0"/>
                 <a:alphaOff val="0"/>
                 <a:tint val="97000"/>
                 <a:satMod val="115000"/>
@@ -12081,10 +12106,10 @@
               </a:schemeClr>
             </a:gs>
             <a:gs pos="60000">
-              <a:schemeClr val="accent3">
-                <a:hueOff val="-2237612"/>
-                <a:satOff val="-2695"/>
-                <a:lumOff val="-16275"/>
+              <a:schemeClr val="lt1">
+                <a:hueOff val="0"/>
+                <a:satOff val="0"/>
+                <a:lumOff val="0"/>
                 <a:alphaOff val="0"/>
                 <a:tint val="100000"/>
                 <a:shade val="96000"/>
@@ -12093,10 +12118,10 @@
               </a:schemeClr>
             </a:gs>
             <a:gs pos="100000">
-              <a:schemeClr val="accent3">
-                <a:hueOff val="-2237612"/>
-                <a:satOff val="-2695"/>
-                <a:lumOff val="-16275"/>
+              <a:schemeClr val="lt1">
+                <a:hueOff val="0"/>
+                <a:satOff val="0"/>
+                <a:lumOff val="0"/>
                 <a:alphaOff val="0"/>
                 <a:shade val="91000"/>
                 <a:satMod val="100000"/>
@@ -25832,7 +25857,7 @@
             <a:fld id="{72F64849-FDB5-4298-A413-9D70FF7B4EB1}" type="datetimeFigureOut">
               <a:rPr lang="es-CO" smtClean="0"/>
               <a:pPr/>
-              <a:t>10/02/2020</a:t>
+              <a:t>17/02/2020</a:t>
             </a:fld>
             <a:endParaRPr lang="es-CO"/>
           </a:p>
@@ -26550,7 +26575,7 @@
             <a:fld id="{DCEF22F2-EA04-4B03-8A20-CFDE6BC87E1C}" type="datetimeFigureOut">
               <a:rPr lang="es-CO" smtClean="0"/>
               <a:pPr/>
-              <a:t>10/02/2020</a:t>
+              <a:t>17/02/2020</a:t>
             </a:fld>
             <a:endParaRPr lang="es-CO"/>
           </a:p>
@@ -26735,7 +26760,7 @@
             <a:fld id="{DCEF22F2-EA04-4B03-8A20-CFDE6BC87E1C}" type="datetimeFigureOut">
               <a:rPr lang="es-CO" smtClean="0"/>
               <a:pPr/>
-              <a:t>10/02/2020</a:t>
+              <a:t>17/02/2020</a:t>
             </a:fld>
             <a:endParaRPr lang="es-CO"/>
           </a:p>
@@ -26946,7 +26971,7 @@
             <a:fld id="{DCEF22F2-EA04-4B03-8A20-CFDE6BC87E1C}" type="datetimeFigureOut">
               <a:rPr lang="es-CO" smtClean="0"/>
               <a:pPr/>
-              <a:t>10/02/2020</a:t>
+              <a:t>17/02/2020</a:t>
             </a:fld>
             <a:endParaRPr lang="es-CO"/>
           </a:p>
@@ -27304,7 +27329,7 @@
             <a:fld id="{DCEF22F2-EA04-4B03-8A20-CFDE6BC87E1C}" type="datetimeFigureOut">
               <a:rPr lang="es-CO" smtClean="0"/>
               <a:pPr/>
-              <a:t>10/02/2020</a:t>
+              <a:t>17/02/2020</a:t>
             </a:fld>
             <a:endParaRPr lang="es-CO"/>
           </a:p>
@@ -27597,7 +27622,7 @@
             <a:fld id="{DCEF22F2-EA04-4B03-8A20-CFDE6BC87E1C}" type="datetimeFigureOut">
               <a:rPr lang="es-CO" smtClean="0"/>
               <a:pPr/>
-              <a:t>10/02/2020</a:t>
+              <a:t>17/02/2020</a:t>
             </a:fld>
             <a:endParaRPr lang="es-CO"/>
           </a:p>
@@ -28024,7 +28049,7 @@
             <a:fld id="{DCEF22F2-EA04-4B03-8A20-CFDE6BC87E1C}" type="datetimeFigureOut">
               <a:rPr lang="es-CO" smtClean="0"/>
               <a:pPr/>
-              <a:t>10/02/2020</a:t>
+              <a:t>17/02/2020</a:t>
             </a:fld>
             <a:endParaRPr lang="es-CO"/>
           </a:p>
@@ -28147,7 +28172,7 @@
             <a:fld id="{DCEF22F2-EA04-4B03-8A20-CFDE6BC87E1C}" type="datetimeFigureOut">
               <a:rPr lang="es-CO" smtClean="0"/>
               <a:pPr/>
-              <a:t>10/02/2020</a:t>
+              <a:t>17/02/2020</a:t>
             </a:fld>
             <a:endParaRPr lang="es-CO"/>
           </a:p>
@@ -28247,7 +28272,7 @@
             <a:fld id="{DCEF22F2-EA04-4B03-8A20-CFDE6BC87E1C}" type="datetimeFigureOut">
               <a:rPr lang="es-CO" smtClean="0"/>
               <a:pPr/>
-              <a:t>10/02/2020</a:t>
+              <a:t>17/02/2020</a:t>
             </a:fld>
             <a:endParaRPr lang="es-CO"/>
           </a:p>
@@ -28529,7 +28554,7 @@
             <a:fld id="{DCEF22F2-EA04-4B03-8A20-CFDE6BC87E1C}" type="datetimeFigureOut">
               <a:rPr lang="es-CO" smtClean="0"/>
               <a:pPr/>
-              <a:t>10/02/2020</a:t>
+              <a:t>17/02/2020</a:t>
             </a:fld>
             <a:endParaRPr lang="es-CO"/>
           </a:p>
@@ -28791,7 +28816,7 @@
             <a:fld id="{DCEF22F2-EA04-4B03-8A20-CFDE6BC87E1C}" type="datetimeFigureOut">
               <a:rPr lang="es-CO" smtClean="0"/>
               <a:pPr/>
-              <a:t>10/02/2020</a:t>
+              <a:t>17/02/2020</a:t>
             </a:fld>
             <a:endParaRPr lang="es-CO"/>
           </a:p>
@@ -29009,7 +29034,7 @@
             <a:fld id="{DCEF22F2-EA04-4B03-8A20-CFDE6BC87E1C}" type="datetimeFigureOut">
               <a:rPr lang="es-CO" smtClean="0"/>
               <a:pPr/>
-              <a:t>10/02/2020</a:t>
+              <a:t>17/02/2020</a:t>
             </a:fld>
             <a:endParaRPr lang="es-CO"/>
           </a:p>
@@ -31903,6 +31928,11 @@
           </p:cNvGraphicFramePr>
           <p:nvPr>
             <p:ph idx="1"/>
+            <p:extLst>
+              <p:ext uri="{D42A27DB-BD31-4B8C-83A1-F6EECF244321}">
+                <p14:modId xmlns:p14="http://schemas.microsoft.com/office/powerpoint/2010/main" val="126034825"/>
+              </p:ext>
+            </p:extLst>
           </p:nvPr>
         </p:nvGraphicFramePr>
         <p:xfrm>
